--- a/fdf.pptx
+++ b/fdf.pptx
@@ -17,7 +17,7 @@
     <p:sldId id="265" r:id="rId11"/>
   </p:sldIdLst>
   <p:sldSz cx="9144000" cy="6858000" type="screen4x3"/>
-  <p:notesSz cx="6858000" cy="9144000"/>
+  <p:notesSz cx="6858000" cy="9945688"/>
   <p:defaultTextStyle>
     <a:defPPr>
       <a:defRPr lang="fr-FR"/>
@@ -3234,6 +3234,13 @@
   <p:clrMapOvr>
     <a:masterClrMapping/>
   </p:clrMapOvr>
+  <p:timing>
+    <p:tnLst>
+      <p:par>
+        <p:cTn id="1" dur="indefinite" restart="never" nodeType="tmRoot"/>
+      </p:par>
+    </p:tnLst>
+  </p:timing>
 </p:sld>
 </file>
 
@@ -3339,11 +3346,7 @@
             </a:r>
             <a:r>
               <a:rPr lang="fr-FR" sz="1200" smtClean="0"/>
-              <a:t>git clone</a:t>
-            </a:r>
-            <a:r>
-              <a:rPr lang="fr-FR" sz="1200" smtClean="0"/>
-              <a:t> </a:t>
+              <a:t>git clone </a:t>
             </a:r>
             <a:r>
               <a:rPr lang="fr-FR" sz="1200" dirty="0" smtClean="0"/>
@@ -3368,6 +3371,13 @@
   <p:clrMapOvr>
     <a:masterClrMapping/>
   </p:clrMapOvr>
+  <p:timing>
+    <p:tnLst>
+      <p:par>
+        <p:cTn id="1" dur="indefinite" restart="never" nodeType="tmRoot"/>
+      </p:par>
+    </p:tnLst>
+  </p:timing>
 </p:sld>
 </file>
 
@@ -3459,6 +3469,13 @@
   <p:clrMapOvr>
     <a:masterClrMapping/>
   </p:clrMapOvr>
+  <p:timing>
+    <p:tnLst>
+      <p:par>
+        <p:cTn id="1" dur="indefinite" restart="never" nodeType="tmRoot"/>
+      </p:par>
+    </p:tnLst>
+  </p:timing>
 </p:sld>
 </file>
 
@@ -3809,6 +3826,13 @@
   <p:clrMapOvr>
     <a:masterClrMapping/>
   </p:clrMapOvr>
+  <p:timing>
+    <p:tnLst>
+      <p:par>
+        <p:cTn id="1" dur="indefinite" restart="never" nodeType="tmRoot"/>
+      </p:par>
+    </p:tnLst>
+  </p:timing>
 </p:sld>
 </file>
 
@@ -4146,6 +4170,13 @@
   <p:clrMapOvr>
     <a:masterClrMapping/>
   </p:clrMapOvr>
+  <p:timing>
+    <p:tnLst>
+      <p:par>
+        <p:cTn id="1" dur="indefinite" restart="never" nodeType="tmRoot"/>
+      </p:par>
+    </p:tnLst>
+  </p:timing>
 </p:sld>
 </file>
 
@@ -4498,6 +4529,13 @@
   <p:clrMapOvr>
     <a:masterClrMapping/>
   </p:clrMapOvr>
+  <p:timing>
+    <p:tnLst>
+      <p:par>
+        <p:cTn id="1" dur="indefinite" restart="never" nodeType="tmRoot"/>
+      </p:par>
+    </p:tnLst>
+  </p:timing>
 </p:sld>
 </file>
 
@@ -4666,7 +4704,15 @@
             </a:r>
             <a:r>
               <a:rPr lang="fr-FR" sz="1200" dirty="0" smtClean="0"/>
-              <a:t> démarre donc maintenant le processus d’affichage : démarrage du serveur graphique, création de la fenêtre. La fonction déclare appelle donc notre fonction d’affichage appelée </a:t>
+              <a:t> démarre donc maintenant le processus d’affichage : démarrage du serveur graphique, création de la fenêtre. La fonction </a:t>
+            </a:r>
+            <a:r>
+              <a:rPr lang="fr-FR" sz="1200" dirty="0" smtClean="0"/>
+              <a:t>appelle à présent </a:t>
+            </a:r>
+            <a:r>
+              <a:rPr lang="fr-FR" sz="1200" dirty="0" smtClean="0"/>
+              <a:t>notre fonction d’affichage appelée </a:t>
             </a:r>
             <a:r>
               <a:rPr lang="fr-FR" sz="1200" dirty="0" err="1" smtClean="0"/>
@@ -4743,15 +4789,15 @@
             </a:r>
             <a:r>
               <a:rPr lang="fr-FR" sz="1200" dirty="0" smtClean="0"/>
-              <a:t> et se divise en quatre</a:t>
-            </a:r>
-            <a:r>
-              <a:rPr lang="fr-FR" sz="1200" dirty="0" smtClean="0"/>
-              <a:t> fonctions</a:t>
-            </a:r>
-            <a:r>
-              <a:rPr lang="fr-FR" sz="1200" dirty="0" smtClean="0"/>
-              <a:t> en plus d’elle-même selon la disposition des points afin de trace la ligne exacte. Tout d’abord si le premier point est à droite du deuxième point elle se rappelle en inversant les deux paramètres. Ensuite elle appelle différentes fonctions selon les cas suivants :</a:t>
+              <a:t> et se divise en quatre fonctions en plus d’elle-même selon la disposition des points afin de </a:t>
+            </a:r>
+            <a:r>
+              <a:rPr lang="fr-FR" sz="1200" dirty="0" smtClean="0"/>
+              <a:t>tracer </a:t>
+            </a:r>
+            <a:r>
+              <a:rPr lang="fr-FR" sz="1200" dirty="0" smtClean="0"/>
+              <a:t>la ligne exacte. Tout d’abord si le premier point est à droite du deuxième point elle se rappelle en inversant les deux paramètres. Ensuite elle appelle différentes fonctions selon les cas suivants :</a:t>
             </a:r>
           </a:p>
           <a:p>
@@ -4819,6 +4865,13 @@
   <p:clrMapOvr>
     <a:masterClrMapping/>
   </p:clrMapOvr>
+  <p:timing>
+    <p:tnLst>
+      <p:par>
+        <p:cTn id="1" dur="indefinite" restart="never" nodeType="tmRoot"/>
+      </p:par>
+    </p:tnLst>
+  </p:timing>
 </p:sld>
 </file>
 
@@ -4928,7 +4981,15 @@
             </a:r>
             <a:r>
               <a:rPr lang="fr-FR" sz="1200" dirty="0" smtClean="0"/>
-              <a:t> qui va lancer la procédure graphique et permettre d’afficher la fenêtre et de permettre de recevoir l’appui clavier.</a:t>
+              <a:t> qui va lancer la procédure graphique et permettre d’afficher la fenêtre et </a:t>
+            </a:r>
+            <a:r>
+              <a:rPr lang="fr-FR" sz="1200" dirty="0" smtClean="0"/>
+              <a:t>de de </a:t>
+            </a:r>
+            <a:r>
+              <a:rPr lang="fr-FR" sz="1200" dirty="0" smtClean="0"/>
+              <a:t>recevoir l’appui clavier.</a:t>
             </a:r>
           </a:p>
           <a:p>
@@ -5144,6 +5205,13 @@
   <p:clrMapOvr>
     <a:masterClrMapping/>
   </p:clrMapOvr>
+  <p:timing>
+    <p:tnLst>
+      <p:par>
+        <p:cTn id="1" dur="indefinite" restart="never" nodeType="tmRoot"/>
+      </p:par>
+    </p:tnLst>
+  </p:timing>
 </p:sld>
 </file>
 
@@ -5324,6 +5392,13 @@
   <p:clrMapOvr>
     <a:masterClrMapping/>
   </p:clrMapOvr>
+  <p:timing>
+    <p:tnLst>
+      <p:par>
+        <p:cTn id="1" dur="indefinite" restart="never" nodeType="tmRoot"/>
+      </p:par>
+    </p:tnLst>
+  </p:timing>
 </p:sld>
 </file>
 
@@ -5447,7 +5522,15 @@
             </a:pPr>
             <a:r>
               <a:rPr lang="fr-FR" sz="1200" dirty="0" smtClean="0"/>
-              <a:t>   J’ai également programmé un algorithme de traçage de ligne pour la première fois bien que j’y avais déjà réfléchit par le passé.</a:t>
+              <a:t>   J’ai également programmé un algorithme de traçage de ligne pour la première fois bien que j’y avais déjà </a:t>
+            </a:r>
+            <a:r>
+              <a:rPr lang="fr-FR" sz="1200" dirty="0" smtClean="0"/>
+              <a:t>réfléchi </a:t>
+            </a:r>
+            <a:r>
+              <a:rPr lang="fr-FR" sz="1200" dirty="0" smtClean="0"/>
+              <a:t>par le passé.</a:t>
             </a:r>
             <a:endParaRPr lang="fr-FR" sz="1200" dirty="0"/>
           </a:p>
@@ -5463,6 +5546,13 @@
   <p:clrMapOvr>
     <a:masterClrMapping/>
   </p:clrMapOvr>
+  <p:timing>
+    <p:tnLst>
+      <p:par>
+        <p:cTn id="1" dur="indefinite" restart="never" nodeType="tmRoot"/>
+      </p:par>
+    </p:tnLst>
+  </p:timing>
 </p:sld>
 </file>
 
